--- a/화면흐름도v2.pptx
+++ b/화면흐름도v2.pptx
@@ -198,7 +198,7 @@
           <a:p>
             <a:fld id="{3A88444A-F930-4E80-BF54-39509664B7C8}" type="datetimeFigureOut">
               <a:rPr lang="ko-KR" altLang="en-US" smtClean="0"/>
-              <a:t>2025-01-29</a:t>
+              <a:t>2025-02-01</a:t>
             </a:fld>
             <a:endParaRPr lang="ko-KR" altLang="en-US"/>
           </a:p>
@@ -596,7 +596,7 @@
           <a:p>
             <a:fld id="{B596A3E3-62C9-4ECC-8988-483A9B419BD7}" type="datetimeFigureOut">
               <a:rPr lang="ko-KR" altLang="en-US" smtClean="0"/>
-              <a:t>2025-01-29</a:t>
+              <a:t>2025-02-01</a:t>
             </a:fld>
             <a:endParaRPr lang="ko-KR" altLang="en-US"/>
           </a:p>
@@ -766,7 +766,7 @@
           <a:p>
             <a:fld id="{B596A3E3-62C9-4ECC-8988-483A9B419BD7}" type="datetimeFigureOut">
               <a:rPr lang="ko-KR" altLang="en-US" smtClean="0"/>
-              <a:t>2025-01-29</a:t>
+              <a:t>2025-02-01</a:t>
             </a:fld>
             <a:endParaRPr lang="ko-KR" altLang="en-US"/>
           </a:p>
@@ -946,7 +946,7 @@
           <a:p>
             <a:fld id="{B596A3E3-62C9-4ECC-8988-483A9B419BD7}" type="datetimeFigureOut">
               <a:rPr lang="ko-KR" altLang="en-US" smtClean="0"/>
-              <a:t>2025-01-29</a:t>
+              <a:t>2025-02-01</a:t>
             </a:fld>
             <a:endParaRPr lang="ko-KR" altLang="en-US"/>
           </a:p>
@@ -1116,7 +1116,7 @@
           <a:p>
             <a:fld id="{B596A3E3-62C9-4ECC-8988-483A9B419BD7}" type="datetimeFigureOut">
               <a:rPr lang="ko-KR" altLang="en-US" smtClean="0"/>
-              <a:t>2025-01-29</a:t>
+              <a:t>2025-02-01</a:t>
             </a:fld>
             <a:endParaRPr lang="ko-KR" altLang="en-US"/>
           </a:p>
@@ -1360,7 +1360,7 @@
           <a:p>
             <a:fld id="{B596A3E3-62C9-4ECC-8988-483A9B419BD7}" type="datetimeFigureOut">
               <a:rPr lang="ko-KR" altLang="en-US" smtClean="0"/>
-              <a:t>2025-01-29</a:t>
+              <a:t>2025-02-01</a:t>
             </a:fld>
             <a:endParaRPr lang="ko-KR" altLang="en-US"/>
           </a:p>
@@ -1592,7 +1592,7 @@
           <a:p>
             <a:fld id="{B596A3E3-62C9-4ECC-8988-483A9B419BD7}" type="datetimeFigureOut">
               <a:rPr lang="ko-KR" altLang="en-US" smtClean="0"/>
-              <a:t>2025-01-29</a:t>
+              <a:t>2025-02-01</a:t>
             </a:fld>
             <a:endParaRPr lang="ko-KR" altLang="en-US"/>
           </a:p>
@@ -1959,7 +1959,7 @@
           <a:p>
             <a:fld id="{B596A3E3-62C9-4ECC-8988-483A9B419BD7}" type="datetimeFigureOut">
               <a:rPr lang="ko-KR" altLang="en-US" smtClean="0"/>
-              <a:t>2025-01-29</a:t>
+              <a:t>2025-02-01</a:t>
             </a:fld>
             <a:endParaRPr lang="ko-KR" altLang="en-US"/>
           </a:p>
@@ -2077,7 +2077,7 @@
           <a:p>
             <a:fld id="{B596A3E3-62C9-4ECC-8988-483A9B419BD7}" type="datetimeFigureOut">
               <a:rPr lang="ko-KR" altLang="en-US" smtClean="0"/>
-              <a:t>2025-01-29</a:t>
+              <a:t>2025-02-01</a:t>
             </a:fld>
             <a:endParaRPr lang="ko-KR" altLang="en-US"/>
           </a:p>
@@ -2172,7 +2172,7 @@
           <a:p>
             <a:fld id="{B596A3E3-62C9-4ECC-8988-483A9B419BD7}" type="datetimeFigureOut">
               <a:rPr lang="ko-KR" altLang="en-US" smtClean="0"/>
-              <a:t>2025-01-29</a:t>
+              <a:t>2025-02-01</a:t>
             </a:fld>
             <a:endParaRPr lang="ko-KR" altLang="en-US"/>
           </a:p>
@@ -2449,7 +2449,7 @@
           <a:p>
             <a:fld id="{B596A3E3-62C9-4ECC-8988-483A9B419BD7}" type="datetimeFigureOut">
               <a:rPr lang="ko-KR" altLang="en-US" smtClean="0"/>
-              <a:t>2025-01-29</a:t>
+              <a:t>2025-02-01</a:t>
             </a:fld>
             <a:endParaRPr lang="ko-KR" altLang="en-US"/>
           </a:p>
@@ -2706,7 +2706,7 @@
           <a:p>
             <a:fld id="{B596A3E3-62C9-4ECC-8988-483A9B419BD7}" type="datetimeFigureOut">
               <a:rPr lang="ko-KR" altLang="en-US" smtClean="0"/>
-              <a:t>2025-01-29</a:t>
+              <a:t>2025-02-01</a:t>
             </a:fld>
             <a:endParaRPr lang="ko-KR" altLang="en-US"/>
           </a:p>
@@ -2919,7 +2919,7 @@
           <a:p>
             <a:fld id="{B596A3E3-62C9-4ECC-8988-483A9B419BD7}" type="datetimeFigureOut">
               <a:rPr lang="ko-KR" altLang="en-US" smtClean="0"/>
-              <a:t>2025-01-29</a:t>
+              <a:t>2025-02-01</a:t>
             </a:fld>
             <a:endParaRPr lang="ko-KR" altLang="en-US"/>
           </a:p>
@@ -3370,7 +3370,7 @@
         </p:nvSpPr>
         <p:spPr>
           <a:xfrm>
-            <a:off x="1642154" y="2436041"/>
+            <a:off x="1642154" y="2736656"/>
             <a:ext cx="1080000" cy="261738"/>
           </a:xfrm>
           <a:prstGeom prst="rect">
@@ -3408,7 +3408,7 @@
         </p:nvSpPr>
         <p:spPr>
           <a:xfrm>
-            <a:off x="2944071" y="4761481"/>
+            <a:off x="2944071" y="5062096"/>
             <a:ext cx="1080000" cy="261738"/>
           </a:xfrm>
           <a:prstGeom prst="rect">
@@ -3445,7 +3445,7 @@
         </p:nvSpPr>
         <p:spPr>
           <a:xfrm>
-            <a:off x="5742241" y="4761481"/>
+            <a:off x="5742241" y="5062096"/>
             <a:ext cx="1080000" cy="261738"/>
           </a:xfrm>
           <a:prstGeom prst="rect">
@@ -3482,7 +3482,7 @@
         </p:nvSpPr>
         <p:spPr>
           <a:xfrm>
-            <a:off x="2944071" y="5440598"/>
+            <a:off x="2944071" y="5741213"/>
             <a:ext cx="1080000" cy="261738"/>
           </a:xfrm>
           <a:prstGeom prst="rect">
@@ -3519,7 +3519,7 @@
         </p:nvSpPr>
         <p:spPr>
           <a:xfrm>
-            <a:off x="4252703" y="4761481"/>
+            <a:off x="4252703" y="5062096"/>
             <a:ext cx="1080000" cy="261738"/>
           </a:xfrm>
           <a:prstGeom prst="rect">
@@ -3668,7 +3668,7 @@
         </p:nvSpPr>
         <p:spPr>
           <a:xfrm>
-            <a:off x="4252703" y="3131378"/>
+            <a:off x="4252703" y="3431993"/>
             <a:ext cx="1080000" cy="261738"/>
           </a:xfrm>
           <a:prstGeom prst="rect">
@@ -3775,7 +3775,7 @@
         </p:nvSpPr>
         <p:spPr>
           <a:xfrm>
-            <a:off x="2944071" y="2787921"/>
+            <a:off x="2944071" y="3088536"/>
             <a:ext cx="1080000" cy="261738"/>
           </a:xfrm>
           <a:prstGeom prst="rect">
@@ -3812,7 +3812,7 @@
         </p:nvSpPr>
         <p:spPr>
           <a:xfrm>
-            <a:off x="2944071" y="3774248"/>
+            <a:off x="2944071" y="4074863"/>
             <a:ext cx="1080000" cy="261738"/>
           </a:xfrm>
           <a:prstGeom prst="rect">
@@ -3851,7 +3851,7 @@
         </p:nvSpPr>
         <p:spPr>
           <a:xfrm>
-            <a:off x="2944071" y="5771438"/>
+            <a:off x="2944071" y="6072053"/>
             <a:ext cx="1080000" cy="261738"/>
           </a:xfrm>
           <a:prstGeom prst="rect">
@@ -3886,7 +3886,7 @@
         </p:nvSpPr>
         <p:spPr>
           <a:xfrm>
-            <a:off x="2944071" y="3131378"/>
+            <a:off x="2944071" y="3431993"/>
             <a:ext cx="1080000" cy="261738"/>
           </a:xfrm>
           <a:prstGeom prst="rect">
@@ -3960,7 +3960,7 @@
         </p:nvSpPr>
         <p:spPr>
           <a:xfrm>
-            <a:off x="2944071" y="2432960"/>
+            <a:off x="2944071" y="2733575"/>
             <a:ext cx="1080000" cy="261738"/>
           </a:xfrm>
           <a:prstGeom prst="rect">
@@ -3984,7 +3984,7 @@
             <a:pPr algn="ctr"/>
             <a:r>
               <a:rPr lang="ko-KR" altLang="en-US" sz="1101" b="1" dirty="0" err="1"/>
-              <a:t>빼찌</a:t>
+              <a:t>뱃지</a:t>
             </a:r>
             <a:endParaRPr lang="ko-KR" altLang="en-US" sz="1101" b="1" dirty="0"/>
           </a:p>
@@ -4033,7 +4033,7 @@
         </p:nvSpPr>
         <p:spPr>
           <a:xfrm>
-            <a:off x="4252703" y="2086855"/>
+            <a:off x="4252703" y="1764069"/>
             <a:ext cx="1080000" cy="261738"/>
           </a:xfrm>
           <a:prstGeom prst="rect">
@@ -4059,7 +4059,7 @@
             </a:r>
             <a:r>
               <a:rPr lang="ko-KR" altLang="en-US" sz="1101" b="1" dirty="0"/>
-              <a:t> 등록</a:t>
+              <a:t> 작성</a:t>
             </a:r>
           </a:p>
         </p:txBody>
@@ -4072,7 +4072,77 @@
         </p:nvSpPr>
         <p:spPr>
           <a:xfrm>
-            <a:off x="4252703" y="1766067"/>
+            <a:off x="4252703" y="2410406"/>
+            <a:ext cx="1080000" cy="261738"/>
+          </a:xfrm>
+          <a:prstGeom prst="rect">
+            <a:avLst/>
+          </a:prstGeom>
+          <a:noFill/>
+          <a:ln>
+            <a:solidFill>
+              <a:srgbClr val="FF0000"/>
+            </a:solidFill>
+          </a:ln>
+        </p:spPr>
+        <p:txBody>
+          <a:bodyPr wrap="square" rtlCol="0">
+            <a:spAutoFit/>
+          </a:bodyPr>
+          <a:lstStyle/>
+          <a:p>
+            <a:pPr algn="ctr"/>
+            <a:r>
+              <a:rPr lang="ko-KR" altLang="en-US" sz="1101" b="1" dirty="0"/>
+              <a:t>댓글 상세</a:t>
+            </a:r>
+          </a:p>
+        </p:txBody>
+      </p:sp>
+      <p:sp>
+        <p:nvSpPr>
+          <p:cNvPr id="116" name="TextBox 115"/>
+          <p:cNvSpPr txBox="1"/>
+          <p:nvPr/>
+        </p:nvSpPr>
+        <p:spPr>
+          <a:xfrm>
+            <a:off x="4252703" y="1090164"/>
+            <a:ext cx="1080000" cy="261738"/>
+          </a:xfrm>
+          <a:prstGeom prst="rect">
+            <a:avLst/>
+          </a:prstGeom>
+          <a:noFill/>
+          <a:ln>
+            <a:solidFill>
+              <a:srgbClr val="0070C0"/>
+            </a:solidFill>
+          </a:ln>
+        </p:spPr>
+        <p:txBody>
+          <a:bodyPr wrap="square" rtlCol="0">
+            <a:spAutoFit/>
+          </a:bodyPr>
+          <a:lstStyle/>
+          <a:p>
+            <a:pPr algn="ctr"/>
+            <a:r>
+              <a:rPr lang="ko-KR" altLang="en-US" sz="1101" b="1" dirty="0"/>
+              <a:t>공지사항 상세</a:t>
+            </a:r>
+          </a:p>
+        </p:txBody>
+      </p:sp>
+      <p:sp>
+        <p:nvSpPr>
+          <p:cNvPr id="117" name="TextBox 116"/>
+          <p:cNvSpPr txBox="1"/>
+          <p:nvPr/>
+        </p:nvSpPr>
+        <p:spPr>
+          <a:xfrm>
+            <a:off x="2944071" y="1764069"/>
             <a:ext cx="1080000" cy="261738"/>
           </a:xfrm>
           <a:prstGeom prst="rect">
@@ -4098,80 +4168,6 @@
             </a:r>
             <a:r>
               <a:rPr lang="ko-KR" altLang="en-US" sz="1101" b="1" dirty="0"/>
-              <a:t> 수정</a:t>
-            </a:r>
-          </a:p>
-        </p:txBody>
-      </p:sp>
-      <p:sp>
-        <p:nvSpPr>
-          <p:cNvPr id="116" name="TextBox 115"/>
-          <p:cNvSpPr txBox="1"/>
-          <p:nvPr/>
-        </p:nvSpPr>
-        <p:spPr>
-          <a:xfrm>
-            <a:off x="4252703" y="1090164"/>
-            <a:ext cx="1080000" cy="261738"/>
-          </a:xfrm>
-          <a:prstGeom prst="rect">
-            <a:avLst/>
-          </a:prstGeom>
-          <a:noFill/>
-          <a:ln>
-            <a:solidFill>
-              <a:srgbClr val="0070C0"/>
-            </a:solidFill>
-          </a:ln>
-        </p:spPr>
-        <p:txBody>
-          <a:bodyPr wrap="square" rtlCol="0">
-            <a:spAutoFit/>
-          </a:bodyPr>
-          <a:lstStyle/>
-          <a:p>
-            <a:pPr algn="ctr"/>
-            <a:r>
-              <a:rPr lang="ko-KR" altLang="en-US" sz="1101" b="1" dirty="0"/>
-              <a:t>공지사항 상세</a:t>
-            </a:r>
-          </a:p>
-        </p:txBody>
-      </p:sp>
-      <p:sp>
-        <p:nvSpPr>
-          <p:cNvPr id="117" name="TextBox 116"/>
-          <p:cNvSpPr txBox="1"/>
-          <p:nvPr/>
-        </p:nvSpPr>
-        <p:spPr>
-          <a:xfrm>
-            <a:off x="2944071" y="1764069"/>
-            <a:ext cx="1080000" cy="261738"/>
-          </a:xfrm>
-          <a:prstGeom prst="rect">
-            <a:avLst/>
-          </a:prstGeom>
-          <a:noFill/>
-          <a:ln>
-            <a:solidFill>
-              <a:srgbClr val="FF0000"/>
-            </a:solidFill>
-          </a:ln>
-        </p:spPr>
-        <p:txBody>
-          <a:bodyPr wrap="square" rtlCol="0">
-            <a:spAutoFit/>
-          </a:bodyPr>
-          <a:lstStyle/>
-          <a:p>
-            <a:pPr algn="ctr"/>
-            <a:r>
-              <a:rPr lang="ko-KR" altLang="en-US" sz="1101" b="1" dirty="0" err="1"/>
-              <a:t>피드</a:t>
-            </a:r>
-            <a:r>
-              <a:rPr lang="ko-KR" altLang="en-US" sz="1101" b="1" dirty="0"/>
               <a:t> 목록</a:t>
             </a:r>
           </a:p>
@@ -4185,7 +4181,7 @@
         </p:nvSpPr>
         <p:spPr>
           <a:xfrm>
-            <a:off x="1642154" y="6485121"/>
+            <a:off x="1642154" y="6785736"/>
             <a:ext cx="1080000" cy="261738"/>
           </a:xfrm>
           <a:prstGeom prst="rect">
@@ -4227,7 +4223,7 @@
         </p:nvSpPr>
         <p:spPr>
           <a:xfrm>
-            <a:off x="4252703" y="6789316"/>
+            <a:off x="4252703" y="6776057"/>
             <a:ext cx="1080000" cy="261738"/>
           </a:xfrm>
           <a:prstGeom prst="rect">
@@ -4251,7 +4247,7 @@
             <a:pPr algn="ctr"/>
             <a:r>
               <a:rPr lang="ko-KR" altLang="en-US" sz="1101" b="1" dirty="0"/>
-              <a:t>모집공고 등록</a:t>
+              <a:t>모집공고 작성</a:t>
             </a:r>
           </a:p>
         </p:txBody>
@@ -4264,7 +4260,7 @@
         </p:nvSpPr>
         <p:spPr>
           <a:xfrm>
-            <a:off x="5738071" y="6485121"/>
+            <a:off x="5688099" y="7114415"/>
             <a:ext cx="1080000" cy="261738"/>
           </a:xfrm>
           <a:prstGeom prst="rect">
@@ -4301,7 +4297,7 @@
         </p:nvSpPr>
         <p:spPr>
           <a:xfrm>
-            <a:off x="4252703" y="6485121"/>
+            <a:off x="4252703" y="7116583"/>
             <a:ext cx="1080000" cy="261738"/>
           </a:xfrm>
           <a:prstGeom prst="rect">
@@ -4338,7 +4334,7 @@
         </p:nvSpPr>
         <p:spPr>
           <a:xfrm>
-            <a:off x="1642154" y="6126982"/>
+            <a:off x="1642154" y="6427597"/>
             <a:ext cx="1080000" cy="261610"/>
           </a:xfrm>
           <a:prstGeom prst="rect">
@@ -4379,7 +4375,7 @@
         </p:nvSpPr>
         <p:spPr>
           <a:xfrm>
-            <a:off x="2944071" y="6478862"/>
+            <a:off x="2944071" y="6779477"/>
             <a:ext cx="1080000" cy="261738"/>
           </a:xfrm>
           <a:prstGeom prst="rect">
@@ -4414,7 +4410,7 @@
         </p:nvSpPr>
         <p:spPr>
           <a:xfrm>
-            <a:off x="2944071" y="6126981"/>
+            <a:off x="2944071" y="6427596"/>
             <a:ext cx="1080000" cy="261738"/>
           </a:xfrm>
           <a:prstGeom prst="rect">
@@ -4449,7 +4445,7 @@
         </p:nvSpPr>
         <p:spPr>
           <a:xfrm>
-            <a:off x="2944071" y="4433048"/>
+            <a:off x="2944071" y="4733663"/>
             <a:ext cx="1080000" cy="261738"/>
           </a:xfrm>
           <a:prstGeom prst="rect">
@@ -4487,7 +4483,7 @@
         </p:nvSpPr>
         <p:spPr>
           <a:xfrm>
-            <a:off x="4252703" y="5088177"/>
+            <a:off x="4252703" y="5388792"/>
             <a:ext cx="1080000" cy="261738"/>
           </a:xfrm>
           <a:prstGeom prst="rect">
@@ -4524,7 +4520,7 @@
         </p:nvSpPr>
         <p:spPr>
           <a:xfrm>
-            <a:off x="4252703" y="5440598"/>
+            <a:off x="4252703" y="5741213"/>
             <a:ext cx="1080000" cy="261738"/>
           </a:xfrm>
           <a:prstGeom prst="rect">
@@ -4561,7 +4557,7 @@
         </p:nvSpPr>
         <p:spPr>
           <a:xfrm>
-            <a:off x="4252703" y="3454636"/>
+            <a:off x="4252703" y="3755251"/>
             <a:ext cx="1080000" cy="261738"/>
           </a:xfrm>
           <a:prstGeom prst="rect">
@@ -4598,7 +4594,7 @@
         </p:nvSpPr>
         <p:spPr>
           <a:xfrm>
-            <a:off x="5738071" y="3452327"/>
+            <a:off x="5738071" y="3752942"/>
             <a:ext cx="1080000" cy="261738"/>
           </a:xfrm>
           <a:prstGeom prst="rect">
@@ -5236,7 +5232,7 @@
         </p:nvSpPr>
         <p:spPr>
           <a:xfrm>
-            <a:off x="1642154" y="7387730"/>
+            <a:off x="1642154" y="7812316"/>
             <a:ext cx="1080000" cy="261738"/>
           </a:xfrm>
           <a:prstGeom prst="rect">
@@ -5279,7 +5275,7 @@
         </p:nvSpPr>
         <p:spPr>
           <a:xfrm>
-            <a:off x="4252703" y="7387730"/>
+            <a:off x="4252703" y="7812316"/>
             <a:ext cx="1080000" cy="261738"/>
           </a:xfrm>
           <a:prstGeom prst="rect">
@@ -5322,7 +5318,7 @@
         </p:nvSpPr>
         <p:spPr>
           <a:xfrm>
-            <a:off x="2944071" y="7381471"/>
+            <a:off x="2944071" y="7806057"/>
             <a:ext cx="1080000" cy="261738"/>
           </a:xfrm>
           <a:prstGeom prst="rect">
@@ -5363,7 +5359,7 @@
         </p:nvSpPr>
         <p:spPr>
           <a:xfrm>
-            <a:off x="4252703" y="7093511"/>
+            <a:off x="9183929" y="6779477"/>
             <a:ext cx="1080000" cy="261738"/>
           </a:xfrm>
           <a:prstGeom prst="rect">
@@ -5406,7 +5402,7 @@
         </p:nvSpPr>
         <p:spPr>
           <a:xfrm>
-            <a:off x="2944071" y="4098708"/>
+            <a:off x="2944071" y="4399323"/>
             <a:ext cx="1080000" cy="261738"/>
           </a:xfrm>
           <a:prstGeom prst="rect">
@@ -5429,6 +5425,304 @@
             <a:r>
               <a:rPr lang="ko-KR" altLang="en-US" sz="1101" b="1" dirty="0"/>
               <a:t>모집 목록</a:t>
+            </a:r>
+          </a:p>
+        </p:txBody>
+      </p:sp>
+      <p:sp>
+        <p:nvSpPr>
+          <p:cNvPr id="4" name="TextBox 3">
+            <a:extLst>
+              <a:ext uri="{FF2B5EF4-FFF2-40B4-BE49-F238E27FC236}">
+                <a16:creationId xmlns:a16="http://schemas.microsoft.com/office/drawing/2014/main" id="{20854CB0-58B8-F591-888E-EABE5742F3FD}"/>
+              </a:ext>
+            </a:extLst>
+          </p:cNvPr>
+          <p:cNvSpPr txBox="1"/>
+          <p:nvPr/>
+        </p:nvSpPr>
+        <p:spPr>
+          <a:xfrm>
+            <a:off x="4252703" y="7471790"/>
+            <a:ext cx="1080000" cy="261738"/>
+          </a:xfrm>
+          <a:prstGeom prst="rect">
+            <a:avLst/>
+          </a:prstGeom>
+          <a:noFill/>
+          <a:ln>
+            <a:solidFill>
+              <a:schemeClr val="bg2">
+                <a:lumMod val="50000"/>
+              </a:schemeClr>
+            </a:solidFill>
+          </a:ln>
+        </p:spPr>
+        <p:txBody>
+          <a:bodyPr wrap="square" rtlCol="0">
+            <a:spAutoFit/>
+          </a:bodyPr>
+          <a:lstStyle/>
+          <a:p>
+            <a:pPr algn="ctr"/>
+            <a:r>
+              <a:rPr lang="ko-KR" altLang="en-US" sz="1101" b="1" dirty="0"/>
+              <a:t>후기 목록</a:t>
+            </a:r>
+          </a:p>
+        </p:txBody>
+      </p:sp>
+      <p:sp>
+        <p:nvSpPr>
+          <p:cNvPr id="5" name="TextBox 4">
+            <a:extLst>
+              <a:ext uri="{FF2B5EF4-FFF2-40B4-BE49-F238E27FC236}">
+                <a16:creationId xmlns:a16="http://schemas.microsoft.com/office/drawing/2014/main" id="{8E234DFE-9E53-732C-6833-2F35B65E5790}"/>
+              </a:ext>
+            </a:extLst>
+          </p:cNvPr>
+          <p:cNvSpPr txBox="1"/>
+          <p:nvPr/>
+        </p:nvSpPr>
+        <p:spPr>
+          <a:xfrm>
+            <a:off x="7752607" y="6779477"/>
+            <a:ext cx="1080000" cy="261738"/>
+          </a:xfrm>
+          <a:prstGeom prst="rect">
+            <a:avLst/>
+          </a:prstGeom>
+          <a:noFill/>
+          <a:ln>
+            <a:solidFill>
+              <a:schemeClr val="bg2">
+                <a:lumMod val="50000"/>
+              </a:schemeClr>
+            </a:solidFill>
+          </a:ln>
+        </p:spPr>
+        <p:txBody>
+          <a:bodyPr wrap="square" rtlCol="0">
+            <a:spAutoFit/>
+          </a:bodyPr>
+          <a:lstStyle/>
+          <a:p>
+            <a:pPr algn="ctr"/>
+            <a:r>
+              <a:rPr lang="ko-KR" altLang="en-US" sz="1101" b="1" dirty="0"/>
+              <a:t>나의 모집목록</a:t>
+            </a:r>
+          </a:p>
+        </p:txBody>
+      </p:sp>
+      <p:sp>
+        <p:nvSpPr>
+          <p:cNvPr id="12" name="TextBox 11">
+            <a:extLst>
+              <a:ext uri="{FF2B5EF4-FFF2-40B4-BE49-F238E27FC236}">
+                <a16:creationId xmlns:a16="http://schemas.microsoft.com/office/drawing/2014/main" id="{AE3F257C-9EA2-0CCD-3B8E-F8338D317EA0}"/>
+              </a:ext>
+            </a:extLst>
+          </p:cNvPr>
+          <p:cNvSpPr txBox="1"/>
+          <p:nvPr/>
+        </p:nvSpPr>
+        <p:spPr>
+          <a:xfrm>
+            <a:off x="7761730" y="6077893"/>
+            <a:ext cx="1080000" cy="261738"/>
+          </a:xfrm>
+          <a:prstGeom prst="rect">
+            <a:avLst/>
+          </a:prstGeom>
+          <a:noFill/>
+          <a:ln>
+            <a:solidFill>
+              <a:srgbClr val="FF0000"/>
+            </a:solidFill>
+          </a:ln>
+        </p:spPr>
+        <p:txBody>
+          <a:bodyPr wrap="square" rtlCol="0">
+            <a:spAutoFit/>
+          </a:bodyPr>
+          <a:lstStyle/>
+          <a:p>
+            <a:pPr algn="ctr"/>
+            <a:r>
+              <a:rPr lang="ko-KR" altLang="en-US" sz="1101" b="1" dirty="0" err="1"/>
+              <a:t>나의피드목록</a:t>
+            </a:r>
+            <a:endParaRPr lang="ko-KR" altLang="en-US" sz="1101" b="1" dirty="0"/>
+          </a:p>
+        </p:txBody>
+      </p:sp>
+      <p:sp>
+        <p:nvSpPr>
+          <p:cNvPr id="13" name="TextBox 12">
+            <a:extLst>
+              <a:ext uri="{FF2B5EF4-FFF2-40B4-BE49-F238E27FC236}">
+                <a16:creationId xmlns:a16="http://schemas.microsoft.com/office/drawing/2014/main" id="{1AB73181-86F7-BFB2-66B6-6ACD4D3A7FA0}"/>
+              </a:ext>
+            </a:extLst>
+          </p:cNvPr>
+          <p:cNvSpPr txBox="1"/>
+          <p:nvPr/>
+        </p:nvSpPr>
+        <p:spPr>
+          <a:xfrm>
+            <a:off x="9183931" y="6077893"/>
+            <a:ext cx="1080000" cy="261738"/>
+          </a:xfrm>
+          <a:prstGeom prst="rect">
+            <a:avLst/>
+          </a:prstGeom>
+          <a:noFill/>
+          <a:ln>
+            <a:solidFill>
+              <a:schemeClr val="bg2">
+                <a:lumMod val="50000"/>
+              </a:schemeClr>
+            </a:solidFill>
+          </a:ln>
+        </p:spPr>
+        <p:txBody>
+          <a:bodyPr wrap="square" rtlCol="0">
+            <a:spAutoFit/>
+          </a:bodyPr>
+          <a:lstStyle/>
+          <a:p>
+            <a:pPr algn="ctr"/>
+            <a:r>
+              <a:rPr lang="ko-KR" altLang="en-US" sz="1101" b="1" dirty="0" err="1"/>
+              <a:t>피드수정</a:t>
+            </a:r>
+            <a:endParaRPr lang="ko-KR" altLang="en-US" sz="1101" b="1" dirty="0"/>
+          </a:p>
+        </p:txBody>
+      </p:sp>
+      <p:sp>
+        <p:nvSpPr>
+          <p:cNvPr id="14" name="TextBox 13">
+            <a:extLst>
+              <a:ext uri="{FF2B5EF4-FFF2-40B4-BE49-F238E27FC236}">
+                <a16:creationId xmlns:a16="http://schemas.microsoft.com/office/drawing/2014/main" id="{AAD2FD7E-1E5A-884E-C36A-F4175255AF9D}"/>
+              </a:ext>
+            </a:extLst>
+          </p:cNvPr>
+          <p:cNvSpPr txBox="1"/>
+          <p:nvPr/>
+        </p:nvSpPr>
+        <p:spPr>
+          <a:xfrm>
+            <a:off x="4252703" y="2087237"/>
+            <a:ext cx="1080000" cy="261738"/>
+          </a:xfrm>
+          <a:prstGeom prst="rect">
+            <a:avLst/>
+          </a:prstGeom>
+          <a:noFill/>
+          <a:ln>
+            <a:solidFill>
+              <a:srgbClr val="FF0000"/>
+            </a:solidFill>
+          </a:ln>
+        </p:spPr>
+        <p:txBody>
+          <a:bodyPr wrap="square" rtlCol="0">
+            <a:spAutoFit/>
+          </a:bodyPr>
+          <a:lstStyle/>
+          <a:p>
+            <a:pPr algn="ctr"/>
+            <a:r>
+              <a:rPr lang="ko-KR" altLang="en-US" sz="1101" b="1" dirty="0"/>
+              <a:t>후기 작성</a:t>
+            </a:r>
+          </a:p>
+        </p:txBody>
+      </p:sp>
+      <p:sp>
+        <p:nvSpPr>
+          <p:cNvPr id="16" name="TextBox 15">
+            <a:extLst>
+              <a:ext uri="{FF2B5EF4-FFF2-40B4-BE49-F238E27FC236}">
+                <a16:creationId xmlns:a16="http://schemas.microsoft.com/office/drawing/2014/main" id="{121294A1-2714-72BE-B374-81BAF53F2BB2}"/>
+              </a:ext>
+            </a:extLst>
+          </p:cNvPr>
+          <p:cNvSpPr txBox="1"/>
+          <p:nvPr/>
+        </p:nvSpPr>
+        <p:spPr>
+          <a:xfrm>
+            <a:off x="7761730" y="6418442"/>
+            <a:ext cx="1080000" cy="261738"/>
+          </a:xfrm>
+          <a:prstGeom prst="rect">
+            <a:avLst/>
+          </a:prstGeom>
+          <a:noFill/>
+          <a:ln>
+            <a:solidFill>
+              <a:srgbClr val="FF0000"/>
+            </a:solidFill>
+          </a:ln>
+        </p:spPr>
+        <p:txBody>
+          <a:bodyPr wrap="square" rtlCol="0">
+            <a:spAutoFit/>
+          </a:bodyPr>
+          <a:lstStyle/>
+          <a:p>
+            <a:pPr algn="ctr"/>
+            <a:r>
+              <a:rPr lang="ko-KR" altLang="en-US" sz="1101" b="1" dirty="0" err="1"/>
+              <a:t>나의후기목록</a:t>
+            </a:r>
+            <a:endParaRPr lang="ko-KR" altLang="en-US" sz="1101" b="1" dirty="0"/>
+          </a:p>
+        </p:txBody>
+      </p:sp>
+      <p:sp>
+        <p:nvSpPr>
+          <p:cNvPr id="19" name="TextBox 18">
+            <a:extLst>
+              <a:ext uri="{FF2B5EF4-FFF2-40B4-BE49-F238E27FC236}">
+                <a16:creationId xmlns:a16="http://schemas.microsoft.com/office/drawing/2014/main" id="{2836D0DA-EA16-9188-6D85-2BFA63EF2EE3}"/>
+              </a:ext>
+            </a:extLst>
+          </p:cNvPr>
+          <p:cNvSpPr txBox="1"/>
+          <p:nvPr/>
+        </p:nvSpPr>
+        <p:spPr>
+          <a:xfrm>
+            <a:off x="9183931" y="6418442"/>
+            <a:ext cx="1080000" cy="261738"/>
+          </a:xfrm>
+          <a:prstGeom prst="rect">
+            <a:avLst/>
+          </a:prstGeom>
+          <a:noFill/>
+          <a:ln>
+            <a:solidFill>
+              <a:schemeClr val="bg2">
+                <a:lumMod val="50000"/>
+              </a:schemeClr>
+            </a:solidFill>
+          </a:ln>
+        </p:spPr>
+        <p:txBody>
+          <a:bodyPr wrap="square" rtlCol="0">
+            <a:spAutoFit/>
+          </a:bodyPr>
+          <a:lstStyle/>
+          <a:p>
+            <a:pPr algn="ctr"/>
+            <a:r>
+              <a:rPr lang="ko-KR" altLang="en-US" sz="1101" b="1" dirty="0"/>
+              <a:t>후기수정</a:t>
             </a:r>
           </a:p>
         </p:txBody>

--- a/화면흐름도v2.pptx
+++ b/화면흐름도v2.pptx
@@ -4247,7 +4247,7 @@
             <a:pPr algn="ctr"/>
             <a:r>
               <a:rPr lang="ko-KR" altLang="en-US" sz="1101" b="1" dirty="0"/>
-              <a:t>모집공고 작성</a:t>
+              <a:t>여행계획 작성</a:t>
             </a:r>
           </a:p>
         </p:txBody>
@@ -4321,7 +4321,7 @@
             <a:pPr algn="ctr"/>
             <a:r>
               <a:rPr lang="ko-KR" altLang="en-US" sz="1101" b="1" dirty="0"/>
-              <a:t>모집내용 상세</a:t>
+              <a:t>여행계획 상세</a:t>
             </a:r>
           </a:p>
         </p:txBody>
@@ -5383,7 +5383,7 @@
             <a:pPr algn="ctr"/>
             <a:r>
               <a:rPr lang="ko-KR" altLang="en-US" sz="1101" b="1" dirty="0"/>
-              <a:t>모집공고 수정</a:t>
+              <a:t>여행계획 수정</a:t>
             </a:r>
           </a:p>
         </p:txBody>
@@ -5510,7 +5510,7 @@
             <a:pPr algn="ctr"/>
             <a:r>
               <a:rPr lang="ko-KR" altLang="en-US" sz="1101" b="1" dirty="0"/>
-              <a:t>나의 모집목록</a:t>
+              <a:t>나의 계획목록</a:t>
             </a:r>
           </a:p>
         </p:txBody>
